--- a/report/daRIEUnaruto.pptx
+++ b/report/daRIEUnaruto.pptx
@@ -1795,21 +1795,7 @@
               </a:solidFill>
               <a:cs typeface="Arial" pitchFamily="34" charset="0"/>
             </a:rPr>
-            <a:t>GUI</a:t>
-          </a:r>
-        </a:p>
-        <a:p>
-          <a:r>
-            <a:rPr lang="en-US" altLang="ko-KR" sz="2000" dirty="0">
-              <a:solidFill>
-                <a:schemeClr val="tx1">
-                  <a:lumMod val="75000"/>
-                  <a:lumOff val="25000"/>
-                </a:schemeClr>
-              </a:solidFill>
-              <a:cs typeface="Arial" pitchFamily="34" charset="0"/>
-            </a:rPr>
-            <a:t>Using java swing</a:t>
+            <a:t>Networking</a:t>
           </a:r>
           <a:endParaRPr lang="en-US" sz="2000" dirty="0"/>
         </a:p>
@@ -1845,18 +1831,19 @@
         <a:lstStyle/>
         <a:p>
           <a:r>
-            <a:rPr lang="en-US" altLang="ko-KR" sz="3200" b="1" dirty="0">
+            <a:rPr lang="en-US" sz="3200" b="1" dirty="0">
               <a:solidFill>
-                <a:schemeClr val="tx1">
-                  <a:lumMod val="75000"/>
-                  <a:lumOff val="25000"/>
-                </a:schemeClr>
+                <a:schemeClr val="tx1"/>
               </a:solidFill>
-              <a:cs typeface="Arial" pitchFamily="34" charset="0"/>
+              <a:latin typeface="+mn-lt"/>
+              <a:ea typeface="+mj-ea"/>
+              <a:cs typeface="+mj-cs"/>
             </a:rPr>
-            <a:t>Choosing Chess Board and Background</a:t>
+            <a:t>UML Diagrams</a:t>
           </a:r>
-          <a:endParaRPr lang="en-US" sz="3200" dirty="0"/>
+          <a:endParaRPr lang="en-US" sz="3200" b="1" dirty="0">
+            <a:latin typeface="+mn-lt"/>
+          </a:endParaRPr>
         </a:p>
       </dgm:t>
     </dgm:pt>
@@ -2990,33 +2977,7 @@
               </a:solidFill>
               <a:cs typeface="Arial" pitchFamily="34" charset="0"/>
             </a:rPr>
-            <a:t>GUI</a:t>
-          </a:r>
-        </a:p>
-        <a:p>
-          <a:pPr marL="0" lvl="0" indent="0" algn="ctr" defTabSz="1422400">
-            <a:lnSpc>
-              <a:spcPct val="90000"/>
-            </a:lnSpc>
-            <a:spcBef>
-              <a:spcPct val="0"/>
-            </a:spcBef>
-            <a:spcAft>
-              <a:spcPct val="35000"/>
-            </a:spcAft>
-            <a:buNone/>
-          </a:pPr>
-          <a:r>
-            <a:rPr lang="en-US" altLang="ko-KR" sz="2000" kern="1200" dirty="0">
-              <a:solidFill>
-                <a:schemeClr val="tx1">
-                  <a:lumMod val="75000"/>
-                  <a:lumOff val="25000"/>
-                </a:schemeClr>
-              </a:solidFill>
-              <a:cs typeface="Arial" pitchFamily="34" charset="0"/>
-            </a:rPr>
-            <a:t>Using java swing</a:t>
+            <a:t>Networking</a:t>
           </a:r>
           <a:endParaRPr lang="en-US" sz="2000" kern="1200" dirty="0"/>
         </a:p>
@@ -3174,18 +3135,19 @@
             <a:buNone/>
           </a:pPr>
           <a:r>
-            <a:rPr lang="en-US" altLang="ko-KR" sz="3200" b="1" kern="1200" dirty="0">
+            <a:rPr lang="en-US" sz="3200" b="1" kern="1200" dirty="0">
               <a:solidFill>
-                <a:schemeClr val="tx1">
-                  <a:lumMod val="75000"/>
-                  <a:lumOff val="25000"/>
-                </a:schemeClr>
+                <a:schemeClr val="tx1"/>
               </a:solidFill>
-              <a:cs typeface="Arial" pitchFamily="34" charset="0"/>
+              <a:latin typeface="+mn-lt"/>
+              <a:ea typeface="+mj-ea"/>
+              <a:cs typeface="+mj-cs"/>
             </a:rPr>
-            <a:t>Choosing Chess Board and Background</a:t>
+            <a:t>UML Diagrams</a:t>
           </a:r>
-          <a:endParaRPr lang="en-US" sz="3200" kern="1200" dirty="0"/>
+          <a:endParaRPr lang="en-US" sz="3200" b="1" kern="1200" dirty="0">
+            <a:latin typeface="+mn-lt"/>
+          </a:endParaRPr>
         </a:p>
       </dsp:txBody>
       <dsp:txXfrm rot="10800000">
@@ -12054,7 +12016,7 @@
         </p:nvSpPr>
         <p:spPr>
           <a:xfrm>
-            <a:off x="955963" y="2497976"/>
+            <a:off x="1018107" y="2217658"/>
             <a:ext cx="10280073" cy="1862048"/>
           </a:xfrm>
           <a:prstGeom prst="rect">
@@ -12092,7 +12054,7 @@
           <a:p>
             <a:pPr algn="ctr"/>
             <a:r>
-              <a:rPr lang="en-US" altLang="ko-KR" sz="11500" b="1" kern="1200" cap="none" spc="50">
+              <a:rPr lang="en-US" altLang="ko-KR" sz="11500" b="1" kern="1200" cap="none" spc="50" dirty="0" err="1">
                 <a:ln w="9525" cmpd="sng">
                   <a:solidFill>
                     <a:schemeClr val="accent1"/>
@@ -12137,6 +12099,68 @@
                 </a:glow>
               </a:effectLst>
             </a:endParaRPr>
+          </a:p>
+        </p:txBody>
+      </p:sp>
+      <p:sp>
+        <p:nvSpPr>
+          <p:cNvPr id="2" name="TextBox 1">
+            <a:extLst>
+              <a:ext uri="{FF2B5EF4-FFF2-40B4-BE49-F238E27FC236}">
+                <a16:creationId xmlns:a16="http://schemas.microsoft.com/office/drawing/2014/main" id="{7084DA35-19AC-43D5-BCCF-B6E7320DB368}"/>
+              </a:ext>
+            </a:extLst>
+          </p:cNvPr>
+          <p:cNvSpPr txBox="1"/>
+          <p:nvPr/>
+        </p:nvSpPr>
+        <p:spPr>
+          <a:xfrm>
+            <a:off x="7395099" y="5069150"/>
+            <a:ext cx="3380092" cy="954107"/>
+          </a:xfrm>
+          <a:prstGeom prst="rect">
+            <a:avLst/>
+          </a:prstGeom>
+          <a:noFill/>
+        </p:spPr>
+        <p:txBody>
+          <a:bodyPr wrap="none" rtlCol="0">
+            <a:spAutoFit/>
+          </a:bodyPr>
+          <a:lstStyle/>
+          <a:p>
+            <a:r>
+              <a:rPr lang="en-US" sz="2800" dirty="0" err="1"/>
+              <a:t>Bùi</a:t>
+            </a:r>
+            <a:r>
+              <a:rPr lang="en-US" sz="2800" dirty="0"/>
+              <a:t> </a:t>
+            </a:r>
+            <a:r>
+              <a:rPr lang="en-US" sz="2800" dirty="0" err="1"/>
+              <a:t>Thế</a:t>
+            </a:r>
+            <a:r>
+              <a:rPr lang="en-US" sz="2800" dirty="0"/>
+              <a:t> </a:t>
+            </a:r>
+            <a:r>
+              <a:rPr lang="en-US" sz="2800" dirty="0" err="1"/>
+              <a:t>Sáng</a:t>
+            </a:r>
+            <a:endParaRPr lang="en-US" sz="2800" dirty="0"/>
+          </a:p>
+          <a:p>
+            <a:r>
+              <a:rPr lang="en-US" sz="2800" dirty="0" err="1"/>
+              <a:t>Trương</a:t>
+            </a:r>
+            <a:r>
+              <a:rPr lang="en-US" sz="2800" dirty="0"/>
+              <a:t> Công Trung</a:t>
+            </a:r>
           </a:p>
         </p:txBody>
       </p:sp>
@@ -13722,7 +13746,7 @@
           <p:nvPr>
             <p:extLst>
               <p:ext uri="{D42A27DB-BD31-4B8C-83A1-F6EECF244321}">
-                <p14:modId xmlns:p14="http://schemas.microsoft.com/office/powerpoint/2010/main" val="1870327626"/>
+                <p14:modId xmlns:p14="http://schemas.microsoft.com/office/powerpoint/2010/main" val="1075490681"/>
               </p:ext>
             </p:extLst>
           </p:nvPr>

--- a/report/daRIEUnaruto.pptx
+++ b/report/daRIEUnaruto.pptx
@@ -12116,8 +12116,8 @@
         </p:nvSpPr>
         <p:spPr>
           <a:xfrm>
-            <a:off x="7395099" y="5069150"/>
-            <a:ext cx="3380092" cy="954107"/>
+            <a:off x="6249879" y="5058310"/>
+            <a:ext cx="5857181" cy="954107"/>
           </a:xfrm>
           <a:prstGeom prst="rect">
             <a:avLst/>
@@ -12150,7 +12150,10 @@
               <a:rPr lang="en-US" sz="2800" dirty="0" err="1"/>
               <a:t>Sáng</a:t>
             </a:r>
-            <a:endParaRPr lang="en-US" sz="2800" dirty="0"/>
+            <a:r>
+              <a:rPr lang="en-US" sz="2800" dirty="0"/>
+              <a:t> – ITITIU19046</a:t>
+            </a:r>
           </a:p>
           <a:p>
             <a:r>
@@ -12159,7 +12162,23 @@
             </a:r>
             <a:r>
               <a:rPr lang="en-US" sz="2800" dirty="0"/>
-              <a:t> Công Trung</a:t>
+              <a:t> </a:t>
+            </a:r>
+            <a:r>
+              <a:rPr lang="en-US" sz="2800" dirty="0" err="1"/>
+              <a:t>Công</a:t>
+            </a:r>
+            <a:r>
+              <a:rPr lang="en-US" sz="2800" dirty="0"/>
+              <a:t> </a:t>
+            </a:r>
+            <a:r>
+              <a:rPr lang="en-US" sz="2800" dirty="0" err="1"/>
+              <a:t>Trung</a:t>
+            </a:r>
+            <a:r>
+              <a:rPr lang="en-US" sz="2800" dirty="0"/>
+              <a:t> – ITITIU19059</a:t>
             </a:r>
           </a:p>
         </p:txBody>
@@ -20515,18 +20534,18 @@
 </file>
 
 <file path=customXml/item2.xml><?xml version="1.0" encoding="utf-8"?>
-<p:properties xmlns:p="http://schemas.microsoft.com/office/2006/metadata/properties" xmlns:xsi="http://www.w3.org/2001/XMLSchema-instance" xmlns:pc="http://schemas.microsoft.com/office/infopath/2007/PartnerControls">
-  <documentManagement/>
-</p:properties>
-</file>
-
-<file path=customXml/item3.xml><?xml version="1.0" encoding="utf-8"?>
 <?mso-contentType ?>
 <FormTemplates xmlns="http://schemas.microsoft.com/sharepoint/v3/contenttype/forms">
   <Display>DocumentLibraryForm</Display>
   <Edit>DocumentLibraryForm</Edit>
   <New>DocumentLibraryForm</New>
 </FormTemplates>
+</file>
+
+<file path=customXml/item3.xml><?xml version="1.0" encoding="utf-8"?>
+<p:properties xmlns:p="http://schemas.microsoft.com/office/2006/metadata/properties" xmlns:xsi="http://www.w3.org/2001/XMLSchema-instance" xmlns:pc="http://schemas.microsoft.com/office/infopath/2007/PartnerControls">
+  <documentManagement/>
+</p:properties>
 </file>
 
 <file path=customXml/itemProps1.xml><?xml version="1.0" encoding="utf-8"?>
@@ -20548,6 +20567,14 @@
 </file>
 
 <file path=customXml/itemProps2.xml><?xml version="1.0" encoding="utf-8"?>
+<ds:datastoreItem xmlns:ds="http://schemas.openxmlformats.org/officeDocument/2006/customXml" ds:itemID="{048223B2-DE15-4C32-911B-51356C363C28}">
+  <ds:schemaRefs>
+    <ds:schemaRef ds:uri="http://schemas.microsoft.com/sharepoint/v3/contenttype/forms"/>
+  </ds:schemaRefs>
+</ds:datastoreItem>
+</file>
+
+<file path=customXml/itemProps3.xml><?xml version="1.0" encoding="utf-8"?>
 <ds:datastoreItem xmlns:ds="http://schemas.openxmlformats.org/officeDocument/2006/customXml" ds:itemID="{438A461E-264F-4192-99E2-2AAC596B5AA4}">
   <ds:schemaRefs>
     <ds:schemaRef ds:uri="http://schemas.microsoft.com/office/2006/documentManagement/types"/>
@@ -20561,12 +20588,4 @@
     <ds:schemaRef ds:uri="http://www.w3.org/XML/1998/namespace"/>
   </ds:schemaRefs>
 </ds:datastoreItem>
-</file>
-
-<file path=customXml/itemProps3.xml><?xml version="1.0" encoding="utf-8"?>
-<ds:datastoreItem xmlns:ds="http://schemas.openxmlformats.org/officeDocument/2006/customXml" ds:itemID="{048223B2-DE15-4C32-911B-51356C363C28}">
-  <ds:schemaRefs>
-    <ds:schemaRef ds:uri="http://schemas.microsoft.com/sharepoint/v3/contenttype/forms"/>
-  </ds:schemaRefs>
-</ds:datastoreItem>
 </file>